--- a/CSCE658-S24/L2.pptx
+++ b/CSCE658-S24/L2.pptx
@@ -148,6 +148,11 @@
       </a:defRPr>
     </a:lvl9pPr>
   </p:defaultTextStyle>
+  <p:extLst>
+    <p:ext uri="{EFAFB233-063F-42B5-8137-9DF3F51BA10A}">
+      <p15:sldGuideLst xmlns:p15="http://schemas.microsoft.com/office/powerpoint/2012/main"/>
+    </p:ext>
+  </p:extLst>
 </p:presentation>
 </file>
 
@@ -1464,7 +1469,7 @@
           <a:p>
             <a:fld id="{917C6CC6-EF05-461A-87F8-1ECC34672D18}" type="datetimeFigureOut">
               <a:rPr lang="en-US" smtClean="0"/>
-              <a:t>1/22/2024</a:t>
+              <a:t>1/25/2024</a:t>
             </a:fld>
             <a:endParaRPr lang="en-US"/>
           </a:p>
@@ -3978,7 +3983,7 @@
           <a:p>
             <a:fld id="{F15B1014-7FD5-4D05-A49A-39BAD2BBBF24}" type="datetimeFigureOut">
               <a:rPr lang="en-US" smtClean="0"/>
-              <a:t>1/22/2024</a:t>
+              <a:t>1/25/2024</a:t>
             </a:fld>
             <a:endParaRPr lang="en-US"/>
           </a:p>
@@ -4176,7 +4181,7 @@
           <a:p>
             <a:fld id="{F15B1014-7FD5-4D05-A49A-39BAD2BBBF24}" type="datetimeFigureOut">
               <a:rPr lang="en-US" smtClean="0"/>
-              <a:t>1/22/2024</a:t>
+              <a:t>1/25/2024</a:t>
             </a:fld>
             <a:endParaRPr lang="en-US"/>
           </a:p>
@@ -4384,7 +4389,7 @@
           <a:p>
             <a:fld id="{F15B1014-7FD5-4D05-A49A-39BAD2BBBF24}" type="datetimeFigureOut">
               <a:rPr lang="en-US" smtClean="0"/>
-              <a:t>1/22/2024</a:t>
+              <a:t>1/25/2024</a:t>
             </a:fld>
             <a:endParaRPr lang="en-US"/>
           </a:p>
@@ -4582,7 +4587,7 @@
           <a:p>
             <a:fld id="{F15B1014-7FD5-4D05-A49A-39BAD2BBBF24}" type="datetimeFigureOut">
               <a:rPr lang="en-US" smtClean="0"/>
-              <a:t>1/22/2024</a:t>
+              <a:t>1/25/2024</a:t>
             </a:fld>
             <a:endParaRPr lang="en-US"/>
           </a:p>
@@ -4857,7 +4862,7 @@
           <a:p>
             <a:fld id="{F15B1014-7FD5-4D05-A49A-39BAD2BBBF24}" type="datetimeFigureOut">
               <a:rPr lang="en-US" smtClean="0"/>
-              <a:t>1/22/2024</a:t>
+              <a:t>1/25/2024</a:t>
             </a:fld>
             <a:endParaRPr lang="en-US"/>
           </a:p>
@@ -5122,7 +5127,7 @@
           <a:p>
             <a:fld id="{F15B1014-7FD5-4D05-A49A-39BAD2BBBF24}" type="datetimeFigureOut">
               <a:rPr lang="en-US" smtClean="0"/>
-              <a:t>1/22/2024</a:t>
+              <a:t>1/25/2024</a:t>
             </a:fld>
             <a:endParaRPr lang="en-US"/>
           </a:p>
@@ -5534,7 +5539,7 @@
           <a:p>
             <a:fld id="{F15B1014-7FD5-4D05-A49A-39BAD2BBBF24}" type="datetimeFigureOut">
               <a:rPr lang="en-US" smtClean="0"/>
-              <a:t>1/22/2024</a:t>
+              <a:t>1/25/2024</a:t>
             </a:fld>
             <a:endParaRPr lang="en-US"/>
           </a:p>
@@ -5675,7 +5680,7 @@
           <a:p>
             <a:fld id="{F15B1014-7FD5-4D05-A49A-39BAD2BBBF24}" type="datetimeFigureOut">
               <a:rPr lang="en-US" smtClean="0"/>
-              <a:t>1/22/2024</a:t>
+              <a:t>1/25/2024</a:t>
             </a:fld>
             <a:endParaRPr lang="en-US"/>
           </a:p>
@@ -5788,7 +5793,7 @@
           <a:p>
             <a:fld id="{F15B1014-7FD5-4D05-A49A-39BAD2BBBF24}" type="datetimeFigureOut">
               <a:rPr lang="en-US" smtClean="0"/>
-              <a:t>1/22/2024</a:t>
+              <a:t>1/25/2024</a:t>
             </a:fld>
             <a:endParaRPr lang="en-US"/>
           </a:p>
@@ -6099,7 +6104,7 @@
           <a:p>
             <a:fld id="{F15B1014-7FD5-4D05-A49A-39BAD2BBBF24}" type="datetimeFigureOut">
               <a:rPr lang="en-US" smtClean="0"/>
-              <a:t>1/22/2024</a:t>
+              <a:t>1/25/2024</a:t>
             </a:fld>
             <a:endParaRPr lang="en-US"/>
           </a:p>
@@ -6387,7 +6392,7 @@
           <a:p>
             <a:fld id="{F15B1014-7FD5-4D05-A49A-39BAD2BBBF24}" type="datetimeFigureOut">
               <a:rPr lang="en-US" smtClean="0"/>
-              <a:t>1/22/2024</a:t>
+              <a:t>1/25/2024</a:t>
             </a:fld>
             <a:endParaRPr lang="en-US"/>
           </a:p>
@@ -6628,7 +6633,7 @@
           <a:p>
             <a:fld id="{F15B1014-7FD5-4D05-A49A-39BAD2BBBF24}" type="datetimeFigureOut">
               <a:rPr lang="en-US" smtClean="0"/>
-              <a:t>1/22/2024</a:t>
+              <a:t>1/25/2024</a:t>
             </a:fld>
             <a:endParaRPr lang="en-US"/>
           </a:p>
@@ -7190,8 +7195,8 @@
           </a:p>
         </p:txBody>
       </p:sp>
-      <mc:AlternateContent xmlns:mc="http://schemas.openxmlformats.org/markup-compatibility/2006">
-        <mc:Choice xmlns:a14="http://schemas.microsoft.com/office/drawing/2010/main" Requires="a14">
+      <mc:AlternateContent xmlns:mc="http://schemas.openxmlformats.org/markup-compatibility/2006" xmlns:a14="http://schemas.microsoft.com/office/drawing/2010/main">
+        <mc:Choice Requires="a14">
           <p:sp>
             <p:nvSpPr>
               <p:cNvPr id="3" name="Content Placeholder 2">
@@ -7293,16 +7298,7 @@
                             </a:solidFill>
                             <a:latin typeface="Cambria Math" panose="02040503050406030204" pitchFamily="18" charset="0"/>
                           </a:rPr>
-                          <m:t>,</m:t>
-                        </m:r>
-                        <m:r>
-                          <a:rPr lang="en-US" sz="3200" b="0" i="1" dirty="0" smtClean="0">
-                            <a:solidFill>
-                              <a:srgbClr val="C00000"/>
-                            </a:solidFill>
-                            <a:latin typeface="Cambria Math" panose="02040503050406030204" pitchFamily="18" charset="0"/>
-                          </a:rPr>
-                          <m:t>…,</m:t>
+                          <m:t>,…,</m:t>
                         </m:r>
                         <m:sSub>
                           <m:sSubPr>
@@ -7411,16 +7407,7 @@
                             </a:solidFill>
                             <a:latin typeface="Cambria Math" panose="02040503050406030204" pitchFamily="18" charset="0"/>
                           </a:rPr>
-                          <m:t>,</m:t>
-                        </m:r>
-                        <m:r>
-                          <a:rPr lang="en-US" sz="3200" b="0" i="1" dirty="0" smtClean="0">
-                            <a:solidFill>
-                              <a:srgbClr val="C00000"/>
-                            </a:solidFill>
-                            <a:latin typeface="Cambria Math" panose="02040503050406030204" pitchFamily="18" charset="0"/>
-                          </a:rPr>
-                          <m:t>…, </m:t>
+                          <m:t>,…, </m:t>
                         </m:r>
                         <m:sSub>
                           <m:sSubPr>
@@ -7663,7 +7650,7 @@
             </p:txBody>
           </p:sp>
         </mc:Choice>
-        <mc:Fallback>
+        <mc:Fallback xmlns="">
           <p:sp>
             <p:nvSpPr>
               <p:cNvPr id="3" name="Content Placeholder 2">
@@ -7823,7 +7810,15 @@
             </a:pPr>
             <a:r>
               <a:rPr lang="en-US" sz="3200" dirty="0"/>
-              <a:t>The determinants of adjacency matrices (and other matrices) reveal information about the structural of the graph, e.g., whether the determinant is non-zero if and only if the graph has a perfect matching</a:t>
+              <a:t>The determinants of adjacency matrices (and other matrices) reveal information about the structural of the graph, e.g., whether the determinant is non-zero if and only if </a:t>
+            </a:r>
+            <a:r>
+              <a:rPr lang="en-US" sz="3200"/>
+              <a:t>a bipartite </a:t>
+            </a:r>
+            <a:r>
+              <a:rPr lang="en-US" sz="3200" dirty="0"/>
+              <a:t>graph has a perfect matching</a:t>
             </a:r>
           </a:p>
           <a:p>
@@ -7910,8 +7905,8 @@
           </a:p>
         </p:txBody>
       </p:sp>
-      <mc:AlternateContent xmlns:mc="http://schemas.openxmlformats.org/markup-compatibility/2006">
-        <mc:Choice xmlns:a14="http://schemas.microsoft.com/office/drawing/2010/main" Requires="a14">
+      <mc:AlternateContent xmlns:mc="http://schemas.openxmlformats.org/markup-compatibility/2006" xmlns:a14="http://schemas.microsoft.com/office/drawing/2010/main">
+        <mc:Choice Requires="a14">
           <p:sp>
             <p:nvSpPr>
               <p:cNvPr id="3" name="Content Placeholder 2">
@@ -8168,7 +8163,7 @@
             </p:txBody>
           </p:sp>
         </mc:Choice>
-        <mc:Fallback>
+        <mc:Fallback xmlns="">
           <p:sp>
             <p:nvSpPr>
               <p:cNvPr id="3" name="Content Placeholder 2">
@@ -8274,8 +8269,8 @@
           </a:p>
         </p:txBody>
       </p:sp>
-      <mc:AlternateContent xmlns:mc="http://schemas.openxmlformats.org/markup-compatibility/2006">
-        <mc:Choice xmlns:a14="http://schemas.microsoft.com/office/drawing/2010/main" Requires="a14">
+      <mc:AlternateContent xmlns:mc="http://schemas.openxmlformats.org/markup-compatibility/2006" xmlns:a14="http://schemas.microsoft.com/office/drawing/2010/main">
+        <mc:Choice Requires="a14">
           <p:sp>
             <p:nvSpPr>
               <p:cNvPr id="3" name="Content Placeholder 2">
@@ -8567,7 +8562,7 @@
             </p:txBody>
           </p:sp>
         </mc:Choice>
-        <mc:Fallback>
+        <mc:Fallback xmlns="">
           <p:sp>
             <p:nvSpPr>
               <p:cNvPr id="3" name="Content Placeholder 2">
@@ -8673,8 +8668,8 @@
           </a:p>
         </p:txBody>
       </p:sp>
-      <mc:AlternateContent xmlns:mc="http://schemas.openxmlformats.org/markup-compatibility/2006">
-        <mc:Choice xmlns:a14="http://schemas.microsoft.com/office/drawing/2010/main" Requires="a14">
+      <mc:AlternateContent xmlns:mc="http://schemas.openxmlformats.org/markup-compatibility/2006" xmlns:a14="http://schemas.microsoft.com/office/drawing/2010/main">
+        <mc:Choice Requires="a14">
           <p:sp>
             <p:nvSpPr>
               <p:cNvPr id="3" name="Content Placeholder 2">
@@ -9526,7 +9521,7 @@
             </p:txBody>
           </p:sp>
         </mc:Choice>
-        <mc:Fallback>
+        <mc:Fallback xmlns="">
           <p:sp>
             <p:nvSpPr>
               <p:cNvPr id="3" name="Content Placeholder 2">
@@ -9632,8 +9627,8 @@
           </a:p>
         </p:txBody>
       </p:sp>
-      <mc:AlternateContent xmlns:mc="http://schemas.openxmlformats.org/markup-compatibility/2006">
-        <mc:Choice xmlns:a14="http://schemas.microsoft.com/office/drawing/2010/main" Requires="a14">
+      <mc:AlternateContent xmlns:mc="http://schemas.openxmlformats.org/markup-compatibility/2006" xmlns:a14="http://schemas.microsoft.com/office/drawing/2010/main">
+        <mc:Choice Requires="a14">
           <p:sp>
             <p:nvSpPr>
               <p:cNvPr id="3" name="Content Placeholder 2">
@@ -10885,7 +10880,7 @@
             </p:txBody>
           </p:sp>
         </mc:Choice>
-        <mc:Fallback>
+        <mc:Fallback xmlns="">
           <p:sp>
             <p:nvSpPr>
               <p:cNvPr id="3" name="Content Placeholder 2">
@@ -10991,8 +10986,8 @@
           </a:p>
         </p:txBody>
       </p:sp>
-      <mc:AlternateContent xmlns:mc="http://schemas.openxmlformats.org/markup-compatibility/2006">
-        <mc:Choice xmlns:a14="http://schemas.microsoft.com/office/drawing/2010/main" Requires="a14">
+      <mc:AlternateContent xmlns:mc="http://schemas.openxmlformats.org/markup-compatibility/2006" xmlns:a14="http://schemas.microsoft.com/office/drawing/2010/main">
+        <mc:Choice Requires="a14">
           <p:sp>
             <p:nvSpPr>
               <p:cNvPr id="3" name="Content Placeholder 2">
@@ -11754,7 +11749,7 @@
             </p:txBody>
           </p:sp>
         </mc:Choice>
-        <mc:Fallback>
+        <mc:Fallback xmlns="">
           <p:sp>
             <p:nvSpPr>
               <p:cNvPr id="3" name="Content Placeholder 2">
@@ -13795,8 +13790,8 @@
           </a:p>
         </p:txBody>
       </p:sp>
-      <mc:AlternateContent xmlns:mc="http://schemas.openxmlformats.org/markup-compatibility/2006">
-        <mc:Choice xmlns:a14="http://schemas.microsoft.com/office/drawing/2010/main" Requires="a14">
+      <mc:AlternateContent xmlns:mc="http://schemas.openxmlformats.org/markup-compatibility/2006" xmlns:a14="http://schemas.microsoft.com/office/drawing/2010/main">
+        <mc:Choice Requires="a14">
           <p:sp>
             <p:nvSpPr>
               <p:cNvPr id="3" name="Content Placeholder 2">
@@ -14154,7 +14149,7 @@
             </p:txBody>
           </p:sp>
         </mc:Choice>
-        <mc:Fallback>
+        <mc:Fallback xmlns="">
           <p:sp>
             <p:nvSpPr>
               <p:cNvPr id="3" name="Content Placeholder 2">
@@ -14540,8 +14535,8 @@
           </a:p>
         </p:txBody>
       </p:sp>
-      <mc:AlternateContent xmlns:mc="http://schemas.openxmlformats.org/markup-compatibility/2006">
-        <mc:Choice xmlns:a14="http://schemas.microsoft.com/office/drawing/2010/main" Requires="a14">
+      <mc:AlternateContent xmlns:mc="http://schemas.openxmlformats.org/markup-compatibility/2006" xmlns:a14="http://schemas.microsoft.com/office/drawing/2010/main">
+        <mc:Choice Requires="a14">
           <p:sp>
             <p:nvSpPr>
               <p:cNvPr id="4" name="Content Placeholder 3"/>
@@ -14715,7 +14710,7 @@
                     <m:sSub>
                       <m:sSubPr>
                         <m:ctrlPr>
-                          <a:rPr lang="en-US" sz="3200" b="0" i="0" smtClean="0">
+                          <a:rPr lang="en-US" sz="3200" b="0" i="1" smtClean="0">
                             <a:solidFill>
                               <a:srgbClr val="C00000"/>
                             </a:solidFill>
@@ -14757,7 +14752,7 @@
                     <m:sSub>
                       <m:sSubPr>
                         <m:ctrlPr>
-                          <a:rPr lang="en-US" sz="3200" b="0" i="0" smtClean="0">
+                          <a:rPr lang="en-US" sz="3200" b="0" i="1" smtClean="0">
                             <a:solidFill>
                               <a:srgbClr val="C00000"/>
                             </a:solidFill>
@@ -15128,7 +15123,7 @@
             </p:txBody>
           </p:sp>
         </mc:Choice>
-        <mc:Fallback>
+        <mc:Fallback xmlns="">
           <p:sp>
             <p:nvSpPr>
               <p:cNvPr id="4" name="Content Placeholder 3"/>
@@ -16816,8 +16811,8 @@
           </a:p>
         </p:txBody>
       </p:sp>
-      <mc:AlternateContent xmlns:mc="http://schemas.openxmlformats.org/markup-compatibility/2006">
-        <mc:Choice xmlns:a14="http://schemas.microsoft.com/office/drawing/2010/main" Requires="a14">
+      <mc:AlternateContent xmlns:mc="http://schemas.openxmlformats.org/markup-compatibility/2006" xmlns:a14="http://schemas.microsoft.com/office/drawing/2010/main">
+        <mc:Choice Requires="a14">
           <p:sp>
             <p:nvSpPr>
               <p:cNvPr id="12" name="TextBox 11">
@@ -16874,7 +16869,7 @@
             </p:txBody>
           </p:sp>
         </mc:Choice>
-        <mc:Fallback>
+        <mc:Fallback xmlns="">
           <p:sp>
             <p:nvSpPr>
               <p:cNvPr id="12" name="TextBox 11">
@@ -16919,8 +16914,8 @@
           </p:sp>
         </mc:Fallback>
       </mc:AlternateContent>
-      <mc:AlternateContent xmlns:mc="http://schemas.openxmlformats.org/markup-compatibility/2006">
-        <mc:Choice xmlns:a14="http://schemas.microsoft.com/office/drawing/2010/main" Requires="a14">
+      <mc:AlternateContent xmlns:mc="http://schemas.openxmlformats.org/markup-compatibility/2006" xmlns:a14="http://schemas.microsoft.com/office/drawing/2010/main">
+        <mc:Choice Requires="a14">
           <p:sp>
             <p:nvSpPr>
               <p:cNvPr id="13" name="TextBox 12">
@@ -16977,7 +16972,7 @@
             </p:txBody>
           </p:sp>
         </mc:Choice>
-        <mc:Fallback>
+        <mc:Fallback xmlns="">
           <p:sp>
             <p:nvSpPr>
               <p:cNvPr id="13" name="TextBox 12">
@@ -17220,8 +17215,8 @@
           </p:sp>
         </mc:Fallback>
       </mc:AlternateContent>
-      <mc:AlternateContent xmlns:mc="http://schemas.openxmlformats.org/markup-compatibility/2006">
-        <mc:Choice xmlns:a14="http://schemas.microsoft.com/office/drawing/2010/main" Requires="a14">
+      <mc:AlternateContent xmlns:mc="http://schemas.openxmlformats.org/markup-compatibility/2006" xmlns:a14="http://schemas.microsoft.com/office/drawing/2010/main">
+        <mc:Choice Requires="a14">
           <p:sp>
             <p:nvSpPr>
               <p:cNvPr id="16" name="TextBox 15">
@@ -17278,7 +17273,7 @@
             </p:txBody>
           </p:sp>
         </mc:Choice>
-        <mc:Fallback>
+        <mc:Fallback xmlns="">
           <p:sp>
             <p:nvSpPr>
               <p:cNvPr id="16" name="TextBox 15">
@@ -17848,8 +17843,8 @@
           </a:fontRef>
         </p:style>
       </p:cxnSp>
-      <mc:AlternateContent xmlns:mc="http://schemas.openxmlformats.org/markup-compatibility/2006">
-        <mc:Choice xmlns:a14="http://schemas.microsoft.com/office/drawing/2010/main" Requires="a14">
+      <mc:AlternateContent xmlns:mc="http://schemas.openxmlformats.org/markup-compatibility/2006" xmlns:a14="http://schemas.microsoft.com/office/drawing/2010/main">
+        <mc:Choice Requires="a14">
           <p:sp>
             <p:nvSpPr>
               <p:cNvPr id="3" name="TextBox 2">
@@ -17936,7 +17931,7 @@
             </p:txBody>
           </p:sp>
         </mc:Choice>
-        <mc:Fallback>
+        <mc:Fallback xmlns="">
           <p:sp>
             <p:nvSpPr>
               <p:cNvPr id="3" name="TextBox 2">
@@ -17981,8 +17976,8 @@
           </p:sp>
         </mc:Fallback>
       </mc:AlternateContent>
-      <mc:AlternateContent xmlns:mc="http://schemas.openxmlformats.org/markup-compatibility/2006">
-        <mc:Choice xmlns:a14="http://schemas.microsoft.com/office/drawing/2010/main" Requires="a14">
+      <mc:AlternateContent xmlns:mc="http://schemas.openxmlformats.org/markup-compatibility/2006" xmlns:a14="http://schemas.microsoft.com/office/drawing/2010/main">
+        <mc:Choice Requires="a14">
           <p:sp>
             <p:nvSpPr>
               <p:cNvPr id="4" name="TextBox 3">
@@ -18069,7 +18064,7 @@
             </p:txBody>
           </p:sp>
         </mc:Choice>
-        <mc:Fallback>
+        <mc:Fallback xmlns="">
           <p:sp>
             <p:nvSpPr>
               <p:cNvPr id="4" name="TextBox 3">
@@ -18114,8 +18109,8 @@
           </p:sp>
         </mc:Fallback>
       </mc:AlternateContent>
-      <mc:AlternateContent xmlns:mc="http://schemas.openxmlformats.org/markup-compatibility/2006">
-        <mc:Choice xmlns:a14="http://schemas.microsoft.com/office/drawing/2010/main" Requires="a14">
+      <mc:AlternateContent xmlns:mc="http://schemas.openxmlformats.org/markup-compatibility/2006" xmlns:a14="http://schemas.microsoft.com/office/drawing/2010/main">
+        <mc:Choice Requires="a14">
           <p:sp>
             <p:nvSpPr>
               <p:cNvPr id="11" name="TextBox 10">
@@ -18255,7 +18250,7 @@
             </p:txBody>
           </p:sp>
         </mc:Choice>
-        <mc:Fallback>
+        <mc:Fallback xmlns="">
           <p:sp>
             <p:nvSpPr>
               <p:cNvPr id="11" name="TextBox 10">
@@ -18615,8 +18610,8 @@
           </a:p>
         </p:txBody>
       </p:sp>
-      <mc:AlternateContent xmlns:mc="http://schemas.openxmlformats.org/markup-compatibility/2006">
-        <mc:Choice xmlns:a14="http://schemas.microsoft.com/office/drawing/2010/main" Requires="a14">
+      <mc:AlternateContent xmlns:mc="http://schemas.openxmlformats.org/markup-compatibility/2006" xmlns:a14="http://schemas.microsoft.com/office/drawing/2010/main">
+        <mc:Choice Requires="a14">
           <p:sp>
             <p:nvSpPr>
               <p:cNvPr id="12" name="TextBox 11">
@@ -18673,7 +18668,7 @@
             </p:txBody>
           </p:sp>
         </mc:Choice>
-        <mc:Fallback>
+        <mc:Fallback xmlns="">
           <p:sp>
             <p:nvSpPr>
               <p:cNvPr id="12" name="TextBox 11">
@@ -18718,8 +18713,8 @@
           </p:sp>
         </mc:Fallback>
       </mc:AlternateContent>
-      <mc:AlternateContent xmlns:mc="http://schemas.openxmlformats.org/markup-compatibility/2006">
-        <mc:Choice xmlns:a14="http://schemas.microsoft.com/office/drawing/2010/main" Requires="a14">
+      <mc:AlternateContent xmlns:mc="http://schemas.openxmlformats.org/markup-compatibility/2006" xmlns:a14="http://schemas.microsoft.com/office/drawing/2010/main">
+        <mc:Choice Requires="a14">
           <p:sp>
             <p:nvSpPr>
               <p:cNvPr id="13" name="TextBox 12">
@@ -18776,7 +18771,7 @@
             </p:txBody>
           </p:sp>
         </mc:Choice>
-        <mc:Fallback>
+        <mc:Fallback xmlns="">
           <p:sp>
             <p:nvSpPr>
               <p:cNvPr id="13" name="TextBox 12">
@@ -18821,8 +18816,8 @@
           </p:sp>
         </mc:Fallback>
       </mc:AlternateContent>
-      <mc:AlternateContent xmlns:mc="http://schemas.openxmlformats.org/markup-compatibility/2006">
-        <mc:Choice xmlns:a14="http://schemas.microsoft.com/office/drawing/2010/main" Requires="a14">
+      <mc:AlternateContent xmlns:mc="http://schemas.openxmlformats.org/markup-compatibility/2006" xmlns:a14="http://schemas.microsoft.com/office/drawing/2010/main">
+        <mc:Choice Requires="a14">
           <p:sp>
             <p:nvSpPr>
               <p:cNvPr id="14" name="TextBox 13">
@@ -18875,7 +18870,7 @@
             </p:txBody>
           </p:sp>
         </mc:Choice>
-        <mc:Fallback>
+        <mc:Fallback xmlns="">
           <p:sp>
             <p:nvSpPr>
               <p:cNvPr id="14" name="TextBox 13">
@@ -18920,8 +18915,8 @@
           </p:sp>
         </mc:Fallback>
       </mc:AlternateContent>
-      <mc:AlternateContent xmlns:mc="http://schemas.openxmlformats.org/markup-compatibility/2006">
-        <mc:Choice xmlns:a14="http://schemas.microsoft.com/office/drawing/2010/main" Requires="a14">
+      <mc:AlternateContent xmlns:mc="http://schemas.openxmlformats.org/markup-compatibility/2006" xmlns:a14="http://schemas.microsoft.com/office/drawing/2010/main">
+        <mc:Choice Requires="a14">
           <p:sp>
             <p:nvSpPr>
               <p:cNvPr id="15" name="TextBox 14">
@@ -18974,7 +18969,7 @@
             </p:txBody>
           </p:sp>
         </mc:Choice>
-        <mc:Fallback>
+        <mc:Fallback xmlns="">
           <p:sp>
             <p:nvSpPr>
               <p:cNvPr id="15" name="TextBox 14">
@@ -19019,8 +19014,8 @@
           </p:sp>
         </mc:Fallback>
       </mc:AlternateContent>
-      <mc:AlternateContent xmlns:mc="http://schemas.openxmlformats.org/markup-compatibility/2006">
-        <mc:Choice xmlns:a14="http://schemas.microsoft.com/office/drawing/2010/main" Requires="a14">
+      <mc:AlternateContent xmlns:mc="http://schemas.openxmlformats.org/markup-compatibility/2006" xmlns:a14="http://schemas.microsoft.com/office/drawing/2010/main">
+        <mc:Choice Requires="a14">
           <p:sp>
             <p:nvSpPr>
               <p:cNvPr id="16" name="TextBox 15">
@@ -19077,7 +19072,7 @@
             </p:txBody>
           </p:sp>
         </mc:Choice>
-        <mc:Fallback>
+        <mc:Fallback xmlns="">
           <p:sp>
             <p:nvSpPr>
               <p:cNvPr id="16" name="TextBox 15">
@@ -19507,8 +19502,8 @@
           </a:p>
         </p:txBody>
       </p:sp>
-      <mc:AlternateContent xmlns:mc="http://schemas.openxmlformats.org/markup-compatibility/2006">
-        <mc:Choice xmlns:a14="http://schemas.microsoft.com/office/drawing/2010/main" Requires="a14">
+      <mc:AlternateContent xmlns:mc="http://schemas.openxmlformats.org/markup-compatibility/2006" xmlns:a14="http://schemas.microsoft.com/office/drawing/2010/main">
+        <mc:Choice Requires="a14">
           <p:sp>
             <p:nvSpPr>
               <p:cNvPr id="52" name="TextBox 51">
@@ -19561,7 +19556,7 @@
             </p:txBody>
           </p:sp>
         </mc:Choice>
-        <mc:Fallback>
+        <mc:Fallback xmlns="">
           <p:sp>
             <p:nvSpPr>
               <p:cNvPr id="52" name="TextBox 51">
@@ -19647,8 +19642,8 @@
           </a:fontRef>
         </p:style>
       </p:cxnSp>
-      <mc:AlternateContent xmlns:mc="http://schemas.openxmlformats.org/markup-compatibility/2006">
-        <mc:Choice xmlns:a14="http://schemas.microsoft.com/office/drawing/2010/main" Requires="a14">
+      <mc:AlternateContent xmlns:mc="http://schemas.openxmlformats.org/markup-compatibility/2006" xmlns:a14="http://schemas.microsoft.com/office/drawing/2010/main">
+        <mc:Choice Requires="a14">
           <p:sp>
             <p:nvSpPr>
               <p:cNvPr id="3" name="TextBox 2">
@@ -19735,7 +19730,7 @@
             </p:txBody>
           </p:sp>
         </mc:Choice>
-        <mc:Fallback>
+        <mc:Fallback xmlns="">
           <p:sp>
             <p:nvSpPr>
               <p:cNvPr id="3" name="TextBox 2">
@@ -19780,8 +19775,8 @@
           </p:sp>
         </mc:Fallback>
       </mc:AlternateContent>
-      <mc:AlternateContent xmlns:mc="http://schemas.openxmlformats.org/markup-compatibility/2006">
-        <mc:Choice xmlns:a14="http://schemas.microsoft.com/office/drawing/2010/main" Requires="a14">
+      <mc:AlternateContent xmlns:mc="http://schemas.openxmlformats.org/markup-compatibility/2006" xmlns:a14="http://schemas.microsoft.com/office/drawing/2010/main">
+        <mc:Choice Requires="a14">
           <p:sp>
             <p:nvSpPr>
               <p:cNvPr id="4" name="TextBox 3">
@@ -19868,7 +19863,7 @@
             </p:txBody>
           </p:sp>
         </mc:Choice>
-        <mc:Fallback>
+        <mc:Fallback xmlns="">
           <p:sp>
             <p:nvSpPr>
               <p:cNvPr id="4" name="TextBox 3">
@@ -19913,8 +19908,8 @@
           </p:sp>
         </mc:Fallback>
       </mc:AlternateContent>
-      <mc:AlternateContent xmlns:mc="http://schemas.openxmlformats.org/markup-compatibility/2006">
-        <mc:Choice xmlns:a14="http://schemas.microsoft.com/office/drawing/2010/main" Requires="a14">
+      <mc:AlternateContent xmlns:mc="http://schemas.openxmlformats.org/markup-compatibility/2006" xmlns:a14="http://schemas.microsoft.com/office/drawing/2010/main">
+        <mc:Choice Requires="a14">
           <p:sp>
             <p:nvSpPr>
               <p:cNvPr id="11" name="TextBox 10">
@@ -20054,7 +20049,7 @@
             </p:txBody>
           </p:sp>
         </mc:Choice>
-        <mc:Fallback>
+        <mc:Fallback xmlns="">
           <p:sp>
             <p:nvSpPr>
               <p:cNvPr id="11" name="TextBox 10">
@@ -20874,8 +20869,8 @@
           </a:p>
         </p:txBody>
       </p:sp>
-      <mc:AlternateContent xmlns:mc="http://schemas.openxmlformats.org/markup-compatibility/2006">
-        <mc:Choice xmlns:a14="http://schemas.microsoft.com/office/drawing/2010/main" Requires="a14">
+      <mc:AlternateContent xmlns:mc="http://schemas.openxmlformats.org/markup-compatibility/2006" xmlns:a14="http://schemas.microsoft.com/office/drawing/2010/main">
+        <mc:Choice Requires="a14">
           <p:sp>
             <p:nvSpPr>
               <p:cNvPr id="12" name="TextBox 11">
@@ -20932,7 +20927,7 @@
             </p:txBody>
           </p:sp>
         </mc:Choice>
-        <mc:Fallback>
+        <mc:Fallback xmlns="">
           <p:sp>
             <p:nvSpPr>
               <p:cNvPr id="12" name="TextBox 11">
@@ -20977,8 +20972,8 @@
           </p:sp>
         </mc:Fallback>
       </mc:AlternateContent>
-      <mc:AlternateContent xmlns:mc="http://schemas.openxmlformats.org/markup-compatibility/2006">
-        <mc:Choice xmlns:a14="http://schemas.microsoft.com/office/drawing/2010/main" Requires="a14">
+      <mc:AlternateContent xmlns:mc="http://schemas.openxmlformats.org/markup-compatibility/2006" xmlns:a14="http://schemas.microsoft.com/office/drawing/2010/main">
+        <mc:Choice Requires="a14">
           <p:sp>
             <p:nvSpPr>
               <p:cNvPr id="13" name="TextBox 12">
@@ -21035,7 +21030,7 @@
             </p:txBody>
           </p:sp>
         </mc:Choice>
-        <mc:Fallback>
+        <mc:Fallback xmlns="">
           <p:sp>
             <p:nvSpPr>
               <p:cNvPr id="13" name="TextBox 12">
@@ -21080,8 +21075,8 @@
           </p:sp>
         </mc:Fallback>
       </mc:AlternateContent>
-      <mc:AlternateContent xmlns:mc="http://schemas.openxmlformats.org/markup-compatibility/2006">
-        <mc:Choice xmlns:a14="http://schemas.microsoft.com/office/drawing/2010/main" Requires="a14">
+      <mc:AlternateContent xmlns:mc="http://schemas.openxmlformats.org/markup-compatibility/2006" xmlns:a14="http://schemas.microsoft.com/office/drawing/2010/main">
+        <mc:Choice Requires="a14">
           <p:sp>
             <p:nvSpPr>
               <p:cNvPr id="14" name="TextBox 13">
@@ -21134,7 +21129,7 @@
             </p:txBody>
           </p:sp>
         </mc:Choice>
-        <mc:Fallback>
+        <mc:Fallback xmlns="">
           <p:sp>
             <p:nvSpPr>
               <p:cNvPr id="14" name="TextBox 13">
@@ -21179,8 +21174,8 @@
           </p:sp>
         </mc:Fallback>
       </mc:AlternateContent>
-      <mc:AlternateContent xmlns:mc="http://schemas.openxmlformats.org/markup-compatibility/2006">
-        <mc:Choice xmlns:a14="http://schemas.microsoft.com/office/drawing/2010/main" Requires="a14">
+      <mc:AlternateContent xmlns:mc="http://schemas.openxmlformats.org/markup-compatibility/2006" xmlns:a14="http://schemas.microsoft.com/office/drawing/2010/main">
+        <mc:Choice Requires="a14">
           <p:sp>
             <p:nvSpPr>
               <p:cNvPr id="15" name="TextBox 14">
@@ -21233,7 +21228,7 @@
             </p:txBody>
           </p:sp>
         </mc:Choice>
-        <mc:Fallback>
+        <mc:Fallback xmlns="">
           <p:sp>
             <p:nvSpPr>
               <p:cNvPr id="15" name="TextBox 14">
@@ -21278,8 +21273,8 @@
           </p:sp>
         </mc:Fallback>
       </mc:AlternateContent>
-      <mc:AlternateContent xmlns:mc="http://schemas.openxmlformats.org/markup-compatibility/2006">
-        <mc:Choice xmlns:a14="http://schemas.microsoft.com/office/drawing/2010/main" Requires="a14">
+      <mc:AlternateContent xmlns:mc="http://schemas.openxmlformats.org/markup-compatibility/2006" xmlns:a14="http://schemas.microsoft.com/office/drawing/2010/main">
+        <mc:Choice Requires="a14">
           <p:sp>
             <p:nvSpPr>
               <p:cNvPr id="16" name="TextBox 15">
@@ -21336,7 +21331,7 @@
             </p:txBody>
           </p:sp>
         </mc:Choice>
-        <mc:Fallback>
+        <mc:Fallback xmlns="">
           <p:sp>
             <p:nvSpPr>
               <p:cNvPr id="16" name="TextBox 15">
@@ -21786,8 +21781,8 @@
           </a:p>
         </p:txBody>
       </p:sp>
-      <mc:AlternateContent xmlns:mc="http://schemas.openxmlformats.org/markup-compatibility/2006">
-        <mc:Choice xmlns:a14="http://schemas.microsoft.com/office/drawing/2010/main" Requires="a14">
+      <mc:AlternateContent xmlns:mc="http://schemas.openxmlformats.org/markup-compatibility/2006" xmlns:a14="http://schemas.microsoft.com/office/drawing/2010/main">
+        <mc:Choice Requires="a14">
           <p:sp>
             <p:nvSpPr>
               <p:cNvPr id="52" name="TextBox 51">
@@ -21840,7 +21835,7 @@
             </p:txBody>
           </p:sp>
         </mc:Choice>
-        <mc:Fallback>
+        <mc:Fallback xmlns="">
           <p:sp>
             <p:nvSpPr>
               <p:cNvPr id="52" name="TextBox 51">
@@ -21926,8 +21921,8 @@
           </a:fontRef>
         </p:style>
       </p:cxnSp>
-      <mc:AlternateContent xmlns:mc="http://schemas.openxmlformats.org/markup-compatibility/2006">
-        <mc:Choice xmlns:a14="http://schemas.microsoft.com/office/drawing/2010/main" Requires="a14">
+      <mc:AlternateContent xmlns:mc="http://schemas.openxmlformats.org/markup-compatibility/2006" xmlns:a14="http://schemas.microsoft.com/office/drawing/2010/main">
+        <mc:Choice Requires="a14">
           <p:sp>
             <p:nvSpPr>
               <p:cNvPr id="3" name="TextBox 2">
@@ -22014,7 +22009,7 @@
             </p:txBody>
           </p:sp>
         </mc:Choice>
-        <mc:Fallback>
+        <mc:Fallback xmlns="">
           <p:sp>
             <p:nvSpPr>
               <p:cNvPr id="3" name="TextBox 2">
@@ -22059,8 +22054,8 @@
           </p:sp>
         </mc:Fallback>
       </mc:AlternateContent>
-      <mc:AlternateContent xmlns:mc="http://schemas.openxmlformats.org/markup-compatibility/2006">
-        <mc:Choice xmlns:a14="http://schemas.microsoft.com/office/drawing/2010/main" Requires="a14">
+      <mc:AlternateContent xmlns:mc="http://schemas.openxmlformats.org/markup-compatibility/2006" xmlns:a14="http://schemas.microsoft.com/office/drawing/2010/main">
+        <mc:Choice Requires="a14">
           <p:sp>
             <p:nvSpPr>
               <p:cNvPr id="4" name="TextBox 3">
@@ -22147,7 +22142,7 @@
             </p:txBody>
           </p:sp>
         </mc:Choice>
-        <mc:Fallback>
+        <mc:Fallback xmlns="">
           <p:sp>
             <p:nvSpPr>
               <p:cNvPr id="4" name="TextBox 3">
@@ -22192,8 +22187,8 @@
           </p:sp>
         </mc:Fallback>
       </mc:AlternateContent>
-      <mc:AlternateContent xmlns:mc="http://schemas.openxmlformats.org/markup-compatibility/2006">
-        <mc:Choice xmlns:a14="http://schemas.microsoft.com/office/drawing/2010/main" Requires="a14">
+      <mc:AlternateContent xmlns:mc="http://schemas.openxmlformats.org/markup-compatibility/2006" xmlns:a14="http://schemas.microsoft.com/office/drawing/2010/main">
+        <mc:Choice Requires="a14">
           <p:sp>
             <p:nvSpPr>
               <p:cNvPr id="11" name="TextBox 10">
@@ -22333,7 +22328,7 @@
             </p:txBody>
           </p:sp>
         </mc:Choice>
-        <mc:Fallback>
+        <mc:Fallback xmlns="">
           <p:sp>
             <p:nvSpPr>
               <p:cNvPr id="11" name="TextBox 10">
@@ -22929,8 +22924,8 @@
           </a:p>
         </p:txBody>
       </p:sp>
-      <mc:AlternateContent xmlns:mc="http://schemas.openxmlformats.org/markup-compatibility/2006">
-        <mc:Choice xmlns:a14="http://schemas.microsoft.com/office/drawing/2010/main" Requires="a14">
+      <mc:AlternateContent xmlns:mc="http://schemas.openxmlformats.org/markup-compatibility/2006" xmlns:a14="http://schemas.microsoft.com/office/drawing/2010/main">
+        <mc:Choice Requires="a14">
           <p:sp>
             <p:nvSpPr>
               <p:cNvPr id="4" name="Content Placeholder 3"/>
@@ -23157,7 +23152,7 @@
             </p:txBody>
           </p:sp>
         </mc:Choice>
-        <mc:Fallback>
+        <mc:Fallback xmlns="">
           <p:sp>
             <p:nvSpPr>
               <p:cNvPr id="4" name="Content Placeholder 3"/>
@@ -24880,8 +24875,8 @@
           </a:p>
         </p:txBody>
       </p:sp>
-      <mc:AlternateContent xmlns:mc="http://schemas.openxmlformats.org/markup-compatibility/2006">
-        <mc:Choice xmlns:a14="http://schemas.microsoft.com/office/drawing/2010/main" Requires="a14">
+      <mc:AlternateContent xmlns:mc="http://schemas.openxmlformats.org/markup-compatibility/2006" xmlns:a14="http://schemas.microsoft.com/office/drawing/2010/main">
+        <mc:Choice Requires="a14">
           <p:sp>
             <p:nvSpPr>
               <p:cNvPr id="12" name="TextBox 11">
@@ -24938,7 +24933,7 @@
             </p:txBody>
           </p:sp>
         </mc:Choice>
-        <mc:Fallback>
+        <mc:Fallback xmlns="">
           <p:sp>
             <p:nvSpPr>
               <p:cNvPr id="12" name="TextBox 11">
@@ -24983,8 +24978,8 @@
           </p:sp>
         </mc:Fallback>
       </mc:AlternateContent>
-      <mc:AlternateContent xmlns:mc="http://schemas.openxmlformats.org/markup-compatibility/2006">
-        <mc:Choice xmlns:a14="http://schemas.microsoft.com/office/drawing/2010/main" Requires="a14">
+      <mc:AlternateContent xmlns:mc="http://schemas.openxmlformats.org/markup-compatibility/2006" xmlns:a14="http://schemas.microsoft.com/office/drawing/2010/main">
+        <mc:Choice Requires="a14">
           <p:sp>
             <p:nvSpPr>
               <p:cNvPr id="13" name="TextBox 12">
@@ -25041,7 +25036,7 @@
             </p:txBody>
           </p:sp>
         </mc:Choice>
-        <mc:Fallback>
+        <mc:Fallback xmlns="">
           <p:sp>
             <p:nvSpPr>
               <p:cNvPr id="13" name="TextBox 12">
@@ -25086,8 +25081,8 @@
           </p:sp>
         </mc:Fallback>
       </mc:AlternateContent>
-      <mc:AlternateContent xmlns:mc="http://schemas.openxmlformats.org/markup-compatibility/2006">
-        <mc:Choice xmlns:a14="http://schemas.microsoft.com/office/drawing/2010/main" Requires="a14">
+      <mc:AlternateContent xmlns:mc="http://schemas.openxmlformats.org/markup-compatibility/2006" xmlns:a14="http://schemas.microsoft.com/office/drawing/2010/main">
+        <mc:Choice Requires="a14">
           <p:sp>
             <p:nvSpPr>
               <p:cNvPr id="14" name="TextBox 13">
@@ -25144,7 +25139,7 @@
             </p:txBody>
           </p:sp>
         </mc:Choice>
-        <mc:Fallback>
+        <mc:Fallback xmlns="">
           <p:sp>
             <p:nvSpPr>
               <p:cNvPr id="14" name="TextBox 13">
@@ -25189,8 +25184,8 @@
           </p:sp>
         </mc:Fallback>
       </mc:AlternateContent>
-      <mc:AlternateContent xmlns:mc="http://schemas.openxmlformats.org/markup-compatibility/2006">
-        <mc:Choice xmlns:a14="http://schemas.microsoft.com/office/drawing/2010/main" Requires="a14">
+      <mc:AlternateContent xmlns:mc="http://schemas.openxmlformats.org/markup-compatibility/2006" xmlns:a14="http://schemas.microsoft.com/office/drawing/2010/main">
+        <mc:Choice Requires="a14">
           <p:sp>
             <p:nvSpPr>
               <p:cNvPr id="15" name="TextBox 14">
@@ -25247,7 +25242,7 @@
             </p:txBody>
           </p:sp>
         </mc:Choice>
-        <mc:Fallback>
+        <mc:Fallback xmlns="">
           <p:sp>
             <p:nvSpPr>
               <p:cNvPr id="15" name="TextBox 14">
@@ -25292,8 +25287,8 @@
           </p:sp>
         </mc:Fallback>
       </mc:AlternateContent>
-      <mc:AlternateContent xmlns:mc="http://schemas.openxmlformats.org/markup-compatibility/2006">
-        <mc:Choice xmlns:a14="http://schemas.microsoft.com/office/drawing/2010/main" Requires="a14">
+      <mc:AlternateContent xmlns:mc="http://schemas.openxmlformats.org/markup-compatibility/2006" xmlns:a14="http://schemas.microsoft.com/office/drawing/2010/main">
+        <mc:Choice Requires="a14">
           <p:sp>
             <p:nvSpPr>
               <p:cNvPr id="16" name="TextBox 15">
@@ -25350,7 +25345,7 @@
             </p:txBody>
           </p:sp>
         </mc:Choice>
-        <mc:Fallback>
+        <mc:Fallback xmlns="">
           <p:sp>
             <p:nvSpPr>
               <p:cNvPr id="16" name="TextBox 15">
@@ -26507,8 +26502,8 @@
           </a:p>
         </p:txBody>
       </p:sp>
-      <mc:AlternateContent xmlns:mc="http://schemas.openxmlformats.org/markup-compatibility/2006">
-        <mc:Choice xmlns:a14="http://schemas.microsoft.com/office/drawing/2010/main" Requires="a14">
+      <mc:AlternateContent xmlns:mc="http://schemas.openxmlformats.org/markup-compatibility/2006" xmlns:a14="http://schemas.microsoft.com/office/drawing/2010/main">
+        <mc:Choice Requires="a14">
           <p:sp>
             <p:nvSpPr>
               <p:cNvPr id="4" name="Content Placeholder 3"/>
@@ -26766,7 +26761,7 @@
             </p:txBody>
           </p:sp>
         </mc:Choice>
-        <mc:Fallback>
+        <mc:Fallback xmlns="">
           <p:sp>
             <p:nvSpPr>
               <p:cNvPr id="4" name="Content Placeholder 3"/>
@@ -30264,8 +30259,8 @@
           </p:sp>
         </mc:Fallback>
       </mc:AlternateContent>
-      <mc:AlternateContent xmlns:mc="http://schemas.openxmlformats.org/markup-compatibility/2006">
-        <mc:Choice xmlns:a14="http://schemas.microsoft.com/office/drawing/2010/main" Requires="a14">
+      <mc:AlternateContent xmlns:mc="http://schemas.openxmlformats.org/markup-compatibility/2006" xmlns:a14="http://schemas.microsoft.com/office/drawing/2010/main">
+        <mc:Choice Requires="a14">
           <p:sp>
             <p:nvSpPr>
               <p:cNvPr id="13" name="TextBox 12">
@@ -30318,7 +30313,7 @@
             </p:txBody>
           </p:sp>
         </mc:Choice>
-        <mc:Fallback>
+        <mc:Fallback xmlns="">
           <p:sp>
             <p:nvSpPr>
               <p:cNvPr id="13" name="TextBox 12">
@@ -30363,8 +30358,8 @@
           </p:sp>
         </mc:Fallback>
       </mc:AlternateContent>
-      <mc:AlternateContent xmlns:mc="http://schemas.openxmlformats.org/markup-compatibility/2006">
-        <mc:Choice xmlns:a14="http://schemas.microsoft.com/office/drawing/2010/main" Requires="a14">
+      <mc:AlternateContent xmlns:mc="http://schemas.openxmlformats.org/markup-compatibility/2006" xmlns:a14="http://schemas.microsoft.com/office/drawing/2010/main">
+        <mc:Choice Requires="a14">
           <p:sp>
             <p:nvSpPr>
               <p:cNvPr id="14" name="TextBox 13">
@@ -30417,7 +30412,7 @@
             </p:txBody>
           </p:sp>
         </mc:Choice>
-        <mc:Fallback>
+        <mc:Fallback xmlns="">
           <p:sp>
             <p:nvSpPr>
               <p:cNvPr id="14" name="TextBox 13">
@@ -31655,8 +31650,8 @@
           </p:sp>
         </mc:Fallback>
       </mc:AlternateContent>
-      <mc:AlternateContent xmlns:mc="http://schemas.openxmlformats.org/markup-compatibility/2006">
-        <mc:Choice xmlns:a14="http://schemas.microsoft.com/office/drawing/2010/main" Requires="a14">
+      <mc:AlternateContent xmlns:mc="http://schemas.openxmlformats.org/markup-compatibility/2006" xmlns:a14="http://schemas.microsoft.com/office/drawing/2010/main">
+        <mc:Choice Requires="a14">
           <p:sp>
             <p:nvSpPr>
               <p:cNvPr id="13" name="TextBox 12">
@@ -31709,7 +31704,7 @@
             </p:txBody>
           </p:sp>
         </mc:Choice>
-        <mc:Fallback>
+        <mc:Fallback xmlns="">
           <p:sp>
             <p:nvSpPr>
               <p:cNvPr id="13" name="TextBox 12">
@@ -31754,8 +31749,8 @@
           </p:sp>
         </mc:Fallback>
       </mc:AlternateContent>
-      <mc:AlternateContent xmlns:mc="http://schemas.openxmlformats.org/markup-compatibility/2006">
-        <mc:Choice xmlns:a14="http://schemas.microsoft.com/office/drawing/2010/main" Requires="a14">
+      <mc:AlternateContent xmlns:mc="http://schemas.openxmlformats.org/markup-compatibility/2006" xmlns:a14="http://schemas.microsoft.com/office/drawing/2010/main">
+        <mc:Choice Requires="a14">
           <p:sp>
             <p:nvSpPr>
               <p:cNvPr id="14" name="TextBox 13">
@@ -31808,7 +31803,7 @@
             </p:txBody>
           </p:sp>
         </mc:Choice>
-        <mc:Fallback>
+        <mc:Fallback xmlns="">
           <p:sp>
             <p:nvSpPr>
               <p:cNvPr id="14" name="TextBox 13">
@@ -33050,8 +33045,8 @@
           </p:sp>
         </mc:Fallback>
       </mc:AlternateContent>
-      <mc:AlternateContent xmlns:mc="http://schemas.openxmlformats.org/markup-compatibility/2006">
-        <mc:Choice xmlns:a14="http://schemas.microsoft.com/office/drawing/2010/main" Requires="a14">
+      <mc:AlternateContent xmlns:mc="http://schemas.openxmlformats.org/markup-compatibility/2006" xmlns:a14="http://schemas.microsoft.com/office/drawing/2010/main">
+        <mc:Choice Requires="a14">
           <p:sp>
             <p:nvSpPr>
               <p:cNvPr id="13" name="TextBox 12">
@@ -33104,7 +33099,7 @@
             </p:txBody>
           </p:sp>
         </mc:Choice>
-        <mc:Fallback>
+        <mc:Fallback xmlns="">
           <p:sp>
             <p:nvSpPr>
               <p:cNvPr id="13" name="TextBox 12">
@@ -33149,8 +33144,8 @@
           </p:sp>
         </mc:Fallback>
       </mc:AlternateContent>
-      <mc:AlternateContent xmlns:mc="http://schemas.openxmlformats.org/markup-compatibility/2006">
-        <mc:Choice xmlns:a14="http://schemas.microsoft.com/office/drawing/2010/main" Requires="a14">
+      <mc:AlternateContent xmlns:mc="http://schemas.openxmlformats.org/markup-compatibility/2006" xmlns:a14="http://schemas.microsoft.com/office/drawing/2010/main">
+        <mc:Choice Requires="a14">
           <p:sp>
             <p:nvSpPr>
               <p:cNvPr id="14" name="TextBox 13">
@@ -33203,7 +33198,7 @@
             </p:txBody>
           </p:sp>
         </mc:Choice>
-        <mc:Fallback>
+        <mc:Fallback xmlns="">
           <p:sp>
             <p:nvSpPr>
               <p:cNvPr id="14" name="TextBox 13">
@@ -33248,8 +33243,8 @@
           </p:sp>
         </mc:Fallback>
       </mc:AlternateContent>
-      <mc:AlternateContent xmlns:mc="http://schemas.openxmlformats.org/markup-compatibility/2006">
-        <mc:Choice xmlns:a14="http://schemas.microsoft.com/office/drawing/2010/main" Requires="a14">
+      <mc:AlternateContent xmlns:mc="http://schemas.openxmlformats.org/markup-compatibility/2006" xmlns:a14="http://schemas.microsoft.com/office/drawing/2010/main">
+        <mc:Choice Requires="a14">
           <p:sp>
             <p:nvSpPr>
               <p:cNvPr id="15" name="TextBox 14">
@@ -33302,7 +33297,7 @@
             </p:txBody>
           </p:sp>
         </mc:Choice>
-        <mc:Fallback>
+        <mc:Fallback xmlns="">
           <p:sp>
             <p:nvSpPr>
               <p:cNvPr id="15" name="TextBox 14">
@@ -34497,8 +34492,8 @@
           </p:sp>
         </mc:Fallback>
       </mc:AlternateContent>
-      <mc:AlternateContent xmlns:mc="http://schemas.openxmlformats.org/markup-compatibility/2006">
-        <mc:Choice xmlns:a14="http://schemas.microsoft.com/office/drawing/2010/main" Requires="a14">
+      <mc:AlternateContent xmlns:mc="http://schemas.openxmlformats.org/markup-compatibility/2006" xmlns:a14="http://schemas.microsoft.com/office/drawing/2010/main">
+        <mc:Choice Requires="a14">
           <p:sp>
             <p:nvSpPr>
               <p:cNvPr id="13" name="TextBox 12">
@@ -34551,7 +34546,7 @@
             </p:txBody>
           </p:sp>
         </mc:Choice>
-        <mc:Fallback>
+        <mc:Fallback xmlns="">
           <p:sp>
             <p:nvSpPr>
               <p:cNvPr id="13" name="TextBox 12">
@@ -34596,8 +34591,8 @@
           </p:sp>
         </mc:Fallback>
       </mc:AlternateContent>
-      <mc:AlternateContent xmlns:mc="http://schemas.openxmlformats.org/markup-compatibility/2006">
-        <mc:Choice xmlns:a14="http://schemas.microsoft.com/office/drawing/2010/main" Requires="a14">
+      <mc:AlternateContent xmlns:mc="http://schemas.openxmlformats.org/markup-compatibility/2006" xmlns:a14="http://schemas.microsoft.com/office/drawing/2010/main">
+        <mc:Choice Requires="a14">
           <p:sp>
             <p:nvSpPr>
               <p:cNvPr id="14" name="TextBox 13">
@@ -34650,7 +34645,7 @@
             </p:txBody>
           </p:sp>
         </mc:Choice>
-        <mc:Fallback>
+        <mc:Fallback xmlns="">
           <p:sp>
             <p:nvSpPr>
               <p:cNvPr id="14" name="TextBox 13">
@@ -34695,8 +34690,8 @@
           </p:sp>
         </mc:Fallback>
       </mc:AlternateContent>
-      <mc:AlternateContent xmlns:mc="http://schemas.openxmlformats.org/markup-compatibility/2006">
-        <mc:Choice xmlns:a14="http://schemas.microsoft.com/office/drawing/2010/main" Requires="a14">
+      <mc:AlternateContent xmlns:mc="http://schemas.openxmlformats.org/markup-compatibility/2006" xmlns:a14="http://schemas.microsoft.com/office/drawing/2010/main">
+        <mc:Choice Requires="a14">
           <p:sp>
             <p:nvSpPr>
               <p:cNvPr id="15" name="TextBox 14">
@@ -34749,7 +34744,7 @@
             </p:txBody>
           </p:sp>
         </mc:Choice>
-        <mc:Fallback>
+        <mc:Fallback xmlns="">
           <p:sp>
             <p:nvSpPr>
               <p:cNvPr id="15" name="TextBox 14">
@@ -35849,8 +35844,8 @@
           </a:p>
         </p:txBody>
       </p:sp>
-      <mc:AlternateContent xmlns:mc="http://schemas.openxmlformats.org/markup-compatibility/2006">
-        <mc:Choice xmlns:a14="http://schemas.microsoft.com/office/drawing/2010/main" Requires="a14">
+      <mc:AlternateContent xmlns:mc="http://schemas.openxmlformats.org/markup-compatibility/2006" xmlns:a14="http://schemas.microsoft.com/office/drawing/2010/main">
+        <mc:Choice Requires="a14">
           <p:sp>
             <p:nvSpPr>
               <p:cNvPr id="12" name="TextBox 11">
@@ -35903,7 +35898,7 @@
             </p:txBody>
           </p:sp>
         </mc:Choice>
-        <mc:Fallback>
+        <mc:Fallback xmlns="">
           <p:sp>
             <p:nvSpPr>
               <p:cNvPr id="12" name="TextBox 11">
@@ -35948,8 +35943,8 @@
           </p:sp>
         </mc:Fallback>
       </mc:AlternateContent>
-      <mc:AlternateContent xmlns:mc="http://schemas.openxmlformats.org/markup-compatibility/2006">
-        <mc:Choice xmlns:a14="http://schemas.microsoft.com/office/drawing/2010/main" Requires="a14">
+      <mc:AlternateContent xmlns:mc="http://schemas.openxmlformats.org/markup-compatibility/2006" xmlns:a14="http://schemas.microsoft.com/office/drawing/2010/main">
+        <mc:Choice Requires="a14">
           <p:sp>
             <p:nvSpPr>
               <p:cNvPr id="13" name="TextBox 12">
@@ -36002,7 +35997,7 @@
             </p:txBody>
           </p:sp>
         </mc:Choice>
-        <mc:Fallback>
+        <mc:Fallback xmlns="">
           <p:sp>
             <p:nvSpPr>
               <p:cNvPr id="13" name="TextBox 12">
@@ -36047,8 +36042,8 @@
           </p:sp>
         </mc:Fallback>
       </mc:AlternateContent>
-      <mc:AlternateContent xmlns:mc="http://schemas.openxmlformats.org/markup-compatibility/2006">
-        <mc:Choice xmlns:a14="http://schemas.microsoft.com/office/drawing/2010/main" Requires="a14">
+      <mc:AlternateContent xmlns:mc="http://schemas.openxmlformats.org/markup-compatibility/2006" xmlns:a14="http://schemas.microsoft.com/office/drawing/2010/main">
+        <mc:Choice Requires="a14">
           <p:sp>
             <p:nvSpPr>
               <p:cNvPr id="14" name="TextBox 13">
@@ -36101,7 +36096,7 @@
             </p:txBody>
           </p:sp>
         </mc:Choice>
-        <mc:Fallback>
+        <mc:Fallback xmlns="">
           <p:sp>
             <p:nvSpPr>
               <p:cNvPr id="14" name="TextBox 13">
@@ -36146,8 +36141,8 @@
           </p:sp>
         </mc:Fallback>
       </mc:AlternateContent>
-      <mc:AlternateContent xmlns:mc="http://schemas.openxmlformats.org/markup-compatibility/2006">
-        <mc:Choice xmlns:a14="http://schemas.microsoft.com/office/drawing/2010/main" Requires="a14">
+      <mc:AlternateContent xmlns:mc="http://schemas.openxmlformats.org/markup-compatibility/2006" xmlns:a14="http://schemas.microsoft.com/office/drawing/2010/main">
+        <mc:Choice Requires="a14">
           <p:sp>
             <p:nvSpPr>
               <p:cNvPr id="15" name="TextBox 14">
@@ -36200,7 +36195,7 @@
             </p:txBody>
           </p:sp>
         </mc:Choice>
-        <mc:Fallback>
+        <mc:Fallback xmlns="">
           <p:sp>
             <p:nvSpPr>
               <p:cNvPr id="15" name="TextBox 14">
@@ -37300,8 +37295,8 @@
           </a:p>
         </p:txBody>
       </p:sp>
-      <mc:AlternateContent xmlns:mc="http://schemas.openxmlformats.org/markup-compatibility/2006">
-        <mc:Choice xmlns:a14="http://schemas.microsoft.com/office/drawing/2010/main" Requires="a14">
+      <mc:AlternateContent xmlns:mc="http://schemas.openxmlformats.org/markup-compatibility/2006" xmlns:a14="http://schemas.microsoft.com/office/drawing/2010/main">
+        <mc:Choice Requires="a14">
           <p:sp>
             <p:nvSpPr>
               <p:cNvPr id="12" name="TextBox 11">
@@ -37354,7 +37349,7 @@
             </p:txBody>
           </p:sp>
         </mc:Choice>
-        <mc:Fallback>
+        <mc:Fallback xmlns="">
           <p:sp>
             <p:nvSpPr>
               <p:cNvPr id="12" name="TextBox 11">
@@ -37399,8 +37394,8 @@
           </p:sp>
         </mc:Fallback>
       </mc:AlternateContent>
-      <mc:AlternateContent xmlns:mc="http://schemas.openxmlformats.org/markup-compatibility/2006">
-        <mc:Choice xmlns:a14="http://schemas.microsoft.com/office/drawing/2010/main" Requires="a14">
+      <mc:AlternateContent xmlns:mc="http://schemas.openxmlformats.org/markup-compatibility/2006" xmlns:a14="http://schemas.microsoft.com/office/drawing/2010/main">
+        <mc:Choice Requires="a14">
           <p:sp>
             <p:nvSpPr>
               <p:cNvPr id="13" name="TextBox 12">
@@ -37453,7 +37448,7 @@
             </p:txBody>
           </p:sp>
         </mc:Choice>
-        <mc:Fallback>
+        <mc:Fallback xmlns="">
           <p:sp>
             <p:nvSpPr>
               <p:cNvPr id="13" name="TextBox 12">
@@ -37498,8 +37493,8 @@
           </p:sp>
         </mc:Fallback>
       </mc:AlternateContent>
-      <mc:AlternateContent xmlns:mc="http://schemas.openxmlformats.org/markup-compatibility/2006">
-        <mc:Choice xmlns:a14="http://schemas.microsoft.com/office/drawing/2010/main" Requires="a14">
+      <mc:AlternateContent xmlns:mc="http://schemas.openxmlformats.org/markup-compatibility/2006" xmlns:a14="http://schemas.microsoft.com/office/drawing/2010/main">
+        <mc:Choice Requires="a14">
           <p:sp>
             <p:nvSpPr>
               <p:cNvPr id="14" name="TextBox 13">
@@ -37552,7 +37547,7 @@
             </p:txBody>
           </p:sp>
         </mc:Choice>
-        <mc:Fallback>
+        <mc:Fallback xmlns="">
           <p:sp>
             <p:nvSpPr>
               <p:cNvPr id="14" name="TextBox 13">
@@ -37597,8 +37592,8 @@
           </p:sp>
         </mc:Fallback>
       </mc:AlternateContent>
-      <mc:AlternateContent xmlns:mc="http://schemas.openxmlformats.org/markup-compatibility/2006">
-        <mc:Choice xmlns:a14="http://schemas.microsoft.com/office/drawing/2010/main" Requires="a14">
+      <mc:AlternateContent xmlns:mc="http://schemas.openxmlformats.org/markup-compatibility/2006" xmlns:a14="http://schemas.microsoft.com/office/drawing/2010/main">
+        <mc:Choice Requires="a14">
           <p:sp>
             <p:nvSpPr>
               <p:cNvPr id="15" name="TextBox 14">
@@ -37651,7 +37646,7 @@
             </p:txBody>
           </p:sp>
         </mc:Choice>
-        <mc:Fallback>
+        <mc:Fallback xmlns="">
           <p:sp>
             <p:nvSpPr>
               <p:cNvPr id="15" name="TextBox 14">
@@ -38755,8 +38750,8 @@
           </a:p>
         </p:txBody>
       </p:sp>
-      <mc:AlternateContent xmlns:mc="http://schemas.openxmlformats.org/markup-compatibility/2006">
-        <mc:Choice xmlns:a14="http://schemas.microsoft.com/office/drawing/2010/main" Requires="a14">
+      <mc:AlternateContent xmlns:mc="http://schemas.openxmlformats.org/markup-compatibility/2006" xmlns:a14="http://schemas.microsoft.com/office/drawing/2010/main">
+        <mc:Choice Requires="a14">
           <p:sp>
             <p:nvSpPr>
               <p:cNvPr id="12" name="TextBox 11">
@@ -38809,7 +38804,7 @@
             </p:txBody>
           </p:sp>
         </mc:Choice>
-        <mc:Fallback>
+        <mc:Fallback xmlns="">
           <p:sp>
             <p:nvSpPr>
               <p:cNvPr id="12" name="TextBox 11">
@@ -38854,8 +38849,8 @@
           </p:sp>
         </mc:Fallback>
       </mc:AlternateContent>
-      <mc:AlternateContent xmlns:mc="http://schemas.openxmlformats.org/markup-compatibility/2006">
-        <mc:Choice xmlns:a14="http://schemas.microsoft.com/office/drawing/2010/main" Requires="a14">
+      <mc:AlternateContent xmlns:mc="http://schemas.openxmlformats.org/markup-compatibility/2006" xmlns:a14="http://schemas.microsoft.com/office/drawing/2010/main">
+        <mc:Choice Requires="a14">
           <p:sp>
             <p:nvSpPr>
               <p:cNvPr id="13" name="TextBox 12">
@@ -38908,7 +38903,7 @@
             </p:txBody>
           </p:sp>
         </mc:Choice>
-        <mc:Fallback>
+        <mc:Fallback xmlns="">
           <p:sp>
             <p:nvSpPr>
               <p:cNvPr id="13" name="TextBox 12">
@@ -38953,8 +38948,8 @@
           </p:sp>
         </mc:Fallback>
       </mc:AlternateContent>
-      <mc:AlternateContent xmlns:mc="http://schemas.openxmlformats.org/markup-compatibility/2006">
-        <mc:Choice xmlns:a14="http://schemas.microsoft.com/office/drawing/2010/main" Requires="a14">
+      <mc:AlternateContent xmlns:mc="http://schemas.openxmlformats.org/markup-compatibility/2006" xmlns:a14="http://schemas.microsoft.com/office/drawing/2010/main">
+        <mc:Choice Requires="a14">
           <p:sp>
             <p:nvSpPr>
               <p:cNvPr id="14" name="TextBox 13">
@@ -39007,7 +39002,7 @@
             </p:txBody>
           </p:sp>
         </mc:Choice>
-        <mc:Fallback>
+        <mc:Fallback xmlns="">
           <p:sp>
             <p:nvSpPr>
               <p:cNvPr id="14" name="TextBox 13">
@@ -39645,8 +39640,8 @@
           </a:p>
         </p:txBody>
       </p:sp>
-      <mc:AlternateContent xmlns:mc="http://schemas.openxmlformats.org/markup-compatibility/2006">
-        <mc:Choice xmlns:a14="http://schemas.microsoft.com/office/drawing/2010/main" Requires="a14">
+      <mc:AlternateContent xmlns:mc="http://schemas.openxmlformats.org/markup-compatibility/2006" xmlns:a14="http://schemas.microsoft.com/office/drawing/2010/main">
+        <mc:Choice Requires="a14">
           <p:sp>
             <p:nvSpPr>
               <p:cNvPr id="26" name="TextBox 25">
@@ -39699,7 +39694,7 @@
             </p:txBody>
           </p:sp>
         </mc:Choice>
-        <mc:Fallback>
+        <mc:Fallback xmlns="">
           <p:sp>
             <p:nvSpPr>
               <p:cNvPr id="26" name="TextBox 25">
@@ -39744,8 +39739,8 @@
           </p:sp>
         </mc:Fallback>
       </mc:AlternateContent>
-      <mc:AlternateContent xmlns:mc="http://schemas.openxmlformats.org/markup-compatibility/2006">
-        <mc:Choice xmlns:a14="http://schemas.microsoft.com/office/drawing/2010/main" Requires="a14">
+      <mc:AlternateContent xmlns:mc="http://schemas.openxmlformats.org/markup-compatibility/2006" xmlns:a14="http://schemas.microsoft.com/office/drawing/2010/main">
+        <mc:Choice Requires="a14">
           <p:sp>
             <p:nvSpPr>
               <p:cNvPr id="27" name="TextBox 26">
@@ -39798,7 +39793,7 @@
             </p:txBody>
           </p:sp>
         </mc:Choice>
-        <mc:Fallback>
+        <mc:Fallback xmlns="">
           <p:sp>
             <p:nvSpPr>
               <p:cNvPr id="27" name="TextBox 26">
@@ -40158,8 +40153,8 @@
           </a:p>
         </p:txBody>
       </p:sp>
-      <mc:AlternateContent xmlns:mc="http://schemas.openxmlformats.org/markup-compatibility/2006">
-        <mc:Choice xmlns:a14="http://schemas.microsoft.com/office/drawing/2010/main" Requires="a14">
+      <mc:AlternateContent xmlns:mc="http://schemas.openxmlformats.org/markup-compatibility/2006" xmlns:a14="http://schemas.microsoft.com/office/drawing/2010/main">
+        <mc:Choice Requires="a14">
           <p:sp>
             <p:nvSpPr>
               <p:cNvPr id="12" name="TextBox 11">
@@ -40212,7 +40207,7 @@
             </p:txBody>
           </p:sp>
         </mc:Choice>
-        <mc:Fallback>
+        <mc:Fallback xmlns="">
           <p:sp>
             <p:nvSpPr>
               <p:cNvPr id="12" name="TextBox 11">
@@ -40257,8 +40252,8 @@
           </p:sp>
         </mc:Fallback>
       </mc:AlternateContent>
-      <mc:AlternateContent xmlns:mc="http://schemas.openxmlformats.org/markup-compatibility/2006">
-        <mc:Choice xmlns:a14="http://schemas.microsoft.com/office/drawing/2010/main" Requires="a14">
+      <mc:AlternateContent xmlns:mc="http://schemas.openxmlformats.org/markup-compatibility/2006" xmlns:a14="http://schemas.microsoft.com/office/drawing/2010/main">
+        <mc:Choice Requires="a14">
           <p:sp>
             <p:nvSpPr>
               <p:cNvPr id="13" name="TextBox 12">
@@ -40311,7 +40306,7 @@
             </p:txBody>
           </p:sp>
         </mc:Choice>
-        <mc:Fallback>
+        <mc:Fallback xmlns="">
           <p:sp>
             <p:nvSpPr>
               <p:cNvPr id="13" name="TextBox 12">
@@ -40356,8 +40351,8 @@
           </p:sp>
         </mc:Fallback>
       </mc:AlternateContent>
-      <mc:AlternateContent xmlns:mc="http://schemas.openxmlformats.org/markup-compatibility/2006">
-        <mc:Choice xmlns:a14="http://schemas.microsoft.com/office/drawing/2010/main" Requires="a14">
+      <mc:AlternateContent xmlns:mc="http://schemas.openxmlformats.org/markup-compatibility/2006" xmlns:a14="http://schemas.microsoft.com/office/drawing/2010/main">
+        <mc:Choice Requires="a14">
           <p:sp>
             <p:nvSpPr>
               <p:cNvPr id="14" name="TextBox 13">
@@ -40410,7 +40405,7 @@
             </p:txBody>
           </p:sp>
         </mc:Choice>
-        <mc:Fallback>
+        <mc:Fallback xmlns="">
           <p:sp>
             <p:nvSpPr>
               <p:cNvPr id="14" name="TextBox 13">
@@ -41048,8 +41043,8 @@
           </a:p>
         </p:txBody>
       </p:sp>
-      <mc:AlternateContent xmlns:mc="http://schemas.openxmlformats.org/markup-compatibility/2006">
-        <mc:Choice xmlns:a14="http://schemas.microsoft.com/office/drawing/2010/main" Requires="a14">
+      <mc:AlternateContent xmlns:mc="http://schemas.openxmlformats.org/markup-compatibility/2006" xmlns:a14="http://schemas.microsoft.com/office/drawing/2010/main">
+        <mc:Choice Requires="a14">
           <p:sp>
             <p:nvSpPr>
               <p:cNvPr id="26" name="TextBox 25">
@@ -41102,7 +41097,7 @@
             </p:txBody>
           </p:sp>
         </mc:Choice>
-        <mc:Fallback>
+        <mc:Fallback xmlns="">
           <p:sp>
             <p:nvSpPr>
               <p:cNvPr id="26" name="TextBox 25">
@@ -41147,8 +41142,8 @@
           </p:sp>
         </mc:Fallback>
       </mc:AlternateContent>
-      <mc:AlternateContent xmlns:mc="http://schemas.openxmlformats.org/markup-compatibility/2006">
-        <mc:Choice xmlns:a14="http://schemas.microsoft.com/office/drawing/2010/main" Requires="a14">
+      <mc:AlternateContent xmlns:mc="http://schemas.openxmlformats.org/markup-compatibility/2006" xmlns:a14="http://schemas.microsoft.com/office/drawing/2010/main">
+        <mc:Choice Requires="a14">
           <p:sp>
             <p:nvSpPr>
               <p:cNvPr id="27" name="TextBox 26">
@@ -41201,7 +41196,7 @@
             </p:txBody>
           </p:sp>
         </mc:Choice>
-        <mc:Fallback>
+        <mc:Fallback xmlns="">
           <p:sp>
             <p:nvSpPr>
               <p:cNvPr id="27" name="TextBox 26">
@@ -41246,8 +41241,8 @@
           </p:sp>
         </mc:Fallback>
       </mc:AlternateContent>
-      <mc:AlternateContent xmlns:mc="http://schemas.openxmlformats.org/markup-compatibility/2006">
-        <mc:Choice xmlns:a14="http://schemas.microsoft.com/office/drawing/2010/main" Requires="a14">
+      <mc:AlternateContent xmlns:mc="http://schemas.openxmlformats.org/markup-compatibility/2006" xmlns:a14="http://schemas.microsoft.com/office/drawing/2010/main">
+        <mc:Choice Requires="a14">
           <p:sp>
             <p:nvSpPr>
               <p:cNvPr id="2" name="TextBox 1">
@@ -41376,7 +41371,7 @@
             </p:txBody>
           </p:sp>
         </mc:Choice>
-        <mc:Fallback>
+        <mc:Fallback xmlns="">
           <p:sp>
             <p:nvSpPr>
               <p:cNvPr id="2" name="TextBox 1">
@@ -41421,8 +41416,8 @@
           </p:sp>
         </mc:Fallback>
       </mc:AlternateContent>
-      <mc:AlternateContent xmlns:mc="http://schemas.openxmlformats.org/markup-compatibility/2006">
-        <mc:Choice xmlns:a14="http://schemas.microsoft.com/office/drawing/2010/main" Requires="a14">
+      <mc:AlternateContent xmlns:mc="http://schemas.openxmlformats.org/markup-compatibility/2006" xmlns:a14="http://schemas.microsoft.com/office/drawing/2010/main">
+        <mc:Choice Requires="a14">
           <p:sp>
             <p:nvSpPr>
               <p:cNvPr id="3" name="TextBox 2">
@@ -41509,7 +41504,7 @@
             </p:txBody>
           </p:sp>
         </mc:Choice>
-        <mc:Fallback>
+        <mc:Fallback xmlns="">
           <p:sp>
             <p:nvSpPr>
               <p:cNvPr id="3" name="TextBox 2">
@@ -41554,8 +41549,8 @@
           </p:sp>
         </mc:Fallback>
       </mc:AlternateContent>
-      <mc:AlternateContent xmlns:mc="http://schemas.openxmlformats.org/markup-compatibility/2006">
-        <mc:Choice xmlns:a14="http://schemas.microsoft.com/office/drawing/2010/main" Requires="a14">
+      <mc:AlternateContent xmlns:mc="http://schemas.openxmlformats.org/markup-compatibility/2006" xmlns:a14="http://schemas.microsoft.com/office/drawing/2010/main">
+        <mc:Choice Requires="a14">
           <p:sp>
             <p:nvSpPr>
               <p:cNvPr id="4" name="TextBox 3">
@@ -41642,7 +41637,7 @@
             </p:txBody>
           </p:sp>
         </mc:Choice>
-        <mc:Fallback>
+        <mc:Fallback xmlns="">
           <p:sp>
             <p:nvSpPr>
               <p:cNvPr id="4" name="TextBox 3">
@@ -42420,8 +42415,8 @@
           </a:p>
         </p:txBody>
       </p:sp>
-      <mc:AlternateContent xmlns:mc="http://schemas.openxmlformats.org/markup-compatibility/2006">
-        <mc:Choice xmlns:a14="http://schemas.microsoft.com/office/drawing/2010/main" Requires="a14">
+      <mc:AlternateContent xmlns:mc="http://schemas.openxmlformats.org/markup-compatibility/2006" xmlns:a14="http://schemas.microsoft.com/office/drawing/2010/main">
+        <mc:Choice Requires="a14">
           <p:sp>
             <p:nvSpPr>
               <p:cNvPr id="4" name="Content Placeholder 3"/>
@@ -42985,7 +42980,7 @@
             </p:txBody>
           </p:sp>
         </mc:Choice>
-        <mc:Fallback>
+        <mc:Fallback xmlns="">
           <p:sp>
             <p:nvSpPr>
               <p:cNvPr id="4" name="Content Placeholder 3"/>
@@ -43079,8 +43074,8 @@
           </a:p>
         </p:txBody>
       </p:sp>
-      <mc:AlternateContent xmlns:mc="http://schemas.openxmlformats.org/markup-compatibility/2006">
-        <mc:Choice xmlns:a14="http://schemas.microsoft.com/office/drawing/2010/main" Requires="a14">
+      <mc:AlternateContent xmlns:mc="http://schemas.openxmlformats.org/markup-compatibility/2006" xmlns:a14="http://schemas.microsoft.com/office/drawing/2010/main">
+        <mc:Choice Requires="a14">
           <p:sp>
             <p:nvSpPr>
               <p:cNvPr id="4" name="Content Placeholder 3"/>
@@ -43288,7 +43283,7 @@
             </p:txBody>
           </p:sp>
         </mc:Choice>
-        <mc:Fallback>
+        <mc:Fallback xmlns="">
           <p:sp>
             <p:nvSpPr>
               <p:cNvPr id="4" name="Content Placeholder 3"/>
@@ -43326,8 +43321,8 @@
           </p:sp>
         </mc:Fallback>
       </mc:AlternateContent>
-      <mc:AlternateContent xmlns:mc="http://schemas.openxmlformats.org/markup-compatibility/2006">
-        <mc:Choice xmlns:a14="http://schemas.microsoft.com/office/drawing/2010/main" Requires="a14">
+      <mc:AlternateContent xmlns:mc="http://schemas.openxmlformats.org/markup-compatibility/2006" xmlns:a14="http://schemas.microsoft.com/office/drawing/2010/main">
+        <mc:Choice Requires="a14">
           <p:sp>
             <p:nvSpPr>
               <p:cNvPr id="5" name="TextBox 4">
@@ -43654,7 +43649,7 @@
             </p:txBody>
           </p:sp>
         </mc:Choice>
-        <mc:Fallback>
+        <mc:Fallback xmlns="">
           <p:sp>
             <p:nvSpPr>
               <p:cNvPr id="5" name="TextBox 4">
@@ -43755,8 +43750,8 @@
           </a:p>
         </p:txBody>
       </p:sp>
-      <mc:AlternateContent xmlns:mc="http://schemas.openxmlformats.org/markup-compatibility/2006">
-        <mc:Choice xmlns:a14="http://schemas.microsoft.com/office/drawing/2010/main" Requires="a14">
+      <mc:AlternateContent xmlns:mc="http://schemas.openxmlformats.org/markup-compatibility/2006" xmlns:a14="http://schemas.microsoft.com/office/drawing/2010/main">
+        <mc:Choice Requires="a14">
           <p:sp>
             <p:nvSpPr>
               <p:cNvPr id="4" name="Content Placeholder 3"/>
@@ -43965,7 +43960,7 @@
             </p:txBody>
           </p:sp>
         </mc:Choice>
-        <mc:Fallback>
+        <mc:Fallback xmlns="">
           <p:sp>
             <p:nvSpPr>
               <p:cNvPr id="4" name="Content Placeholder 3"/>
@@ -44065,8 +44060,8 @@
           </a:p>
         </p:txBody>
       </p:sp>
-      <mc:AlternateContent xmlns:mc="http://schemas.openxmlformats.org/markup-compatibility/2006">
-        <mc:Choice xmlns:a14="http://schemas.microsoft.com/office/drawing/2010/main" Requires="a14">
+      <mc:AlternateContent xmlns:mc="http://schemas.openxmlformats.org/markup-compatibility/2006" xmlns:a14="http://schemas.microsoft.com/office/drawing/2010/main">
+        <mc:Choice Requires="a14">
           <p:sp>
             <p:nvSpPr>
               <p:cNvPr id="3" name="Content Placeholder 2">
@@ -44551,7 +44546,7 @@
             </p:txBody>
           </p:sp>
         </mc:Choice>
-        <mc:Fallback>
+        <mc:Fallback xmlns="">
           <p:sp>
             <p:nvSpPr>
               <p:cNvPr id="3" name="Content Placeholder 2">
@@ -44657,8 +44652,8 @@
           </a:p>
         </p:txBody>
       </p:sp>
-      <mc:AlternateContent xmlns:mc="http://schemas.openxmlformats.org/markup-compatibility/2006">
-        <mc:Choice xmlns:a14="http://schemas.microsoft.com/office/drawing/2010/main" Requires="a14">
+      <mc:AlternateContent xmlns:mc="http://schemas.openxmlformats.org/markup-compatibility/2006" xmlns:a14="http://schemas.microsoft.com/office/drawing/2010/main">
+        <mc:Choice Requires="a14">
           <p:sp>
             <p:nvSpPr>
               <p:cNvPr id="3" name="Content Placeholder 2">
@@ -45380,7 +45375,7 @@
             </p:txBody>
           </p:sp>
         </mc:Choice>
-        <mc:Fallback>
+        <mc:Fallback xmlns="">
           <p:sp>
             <p:nvSpPr>
               <p:cNvPr id="3" name="Content Placeholder 2">
@@ -45486,8 +45481,8 @@
           </a:p>
         </p:txBody>
       </p:sp>
-      <mc:AlternateContent xmlns:mc="http://schemas.openxmlformats.org/markup-compatibility/2006">
-        <mc:Choice xmlns:a14="http://schemas.microsoft.com/office/drawing/2010/main" Requires="a14">
+      <mc:AlternateContent xmlns:mc="http://schemas.openxmlformats.org/markup-compatibility/2006" xmlns:a14="http://schemas.microsoft.com/office/drawing/2010/main">
+        <mc:Choice Requires="a14">
           <p:sp>
             <p:nvSpPr>
               <p:cNvPr id="3" name="Content Placeholder 2">
@@ -46500,7 +46495,7 @@
             </p:txBody>
           </p:sp>
         </mc:Choice>
-        <mc:Fallback>
+        <mc:Fallback xmlns="">
           <p:sp>
             <p:nvSpPr>
               <p:cNvPr id="3" name="Content Placeholder 2">
@@ -46606,8 +46601,8 @@
           </a:p>
         </p:txBody>
       </p:sp>
-      <mc:AlternateContent xmlns:mc="http://schemas.openxmlformats.org/markup-compatibility/2006">
-        <mc:Choice xmlns:a14="http://schemas.microsoft.com/office/drawing/2010/main" Requires="a14">
+      <mc:AlternateContent xmlns:mc="http://schemas.openxmlformats.org/markup-compatibility/2006" xmlns:a14="http://schemas.microsoft.com/office/drawing/2010/main">
+        <mc:Choice Requires="a14">
           <p:sp>
             <p:nvSpPr>
               <p:cNvPr id="3" name="Content Placeholder 2">
@@ -46730,16 +46725,7 @@
                             </a:solidFill>
                             <a:latin typeface="Cambria Math" panose="02040503050406030204" pitchFamily="18" charset="0"/>
                           </a:rPr>
-                          <m:t>,</m:t>
-                        </m:r>
-                        <m:r>
-                          <a:rPr lang="en-US" sz="3200" b="0" i="1" dirty="0" smtClean="0">
-                            <a:solidFill>
-                              <a:srgbClr val="C00000"/>
-                            </a:solidFill>
-                            <a:latin typeface="Cambria Math" panose="02040503050406030204" pitchFamily="18" charset="0"/>
-                          </a:rPr>
-                          <m:t>…,</m:t>
+                          <m:t>,…,</m:t>
                         </m:r>
                         <m:sSub>
                           <m:sSubPr>
@@ -46848,16 +46834,7 @@
                             </a:solidFill>
                             <a:latin typeface="Cambria Math" panose="02040503050406030204" pitchFamily="18" charset="0"/>
                           </a:rPr>
-                          <m:t>,</m:t>
-                        </m:r>
-                        <m:r>
-                          <a:rPr lang="en-US" sz="3200" b="0" i="1" dirty="0" smtClean="0">
-                            <a:solidFill>
-                              <a:srgbClr val="C00000"/>
-                            </a:solidFill>
-                            <a:latin typeface="Cambria Math" panose="02040503050406030204" pitchFamily="18" charset="0"/>
-                          </a:rPr>
-                          <m:t>…, </m:t>
+                          <m:t>,…, </m:t>
                         </m:r>
                         <m:sSub>
                           <m:sSubPr>
@@ -47115,7 +47092,7 @@
             </p:txBody>
           </p:sp>
         </mc:Choice>
-        <mc:Fallback>
+        <mc:Fallback xmlns="">
           <p:sp>
             <p:nvSpPr>
               <p:cNvPr id="3" name="Content Placeholder 2">
@@ -47221,8 +47198,8 @@
           </a:p>
         </p:txBody>
       </p:sp>
-      <mc:AlternateContent xmlns:mc="http://schemas.openxmlformats.org/markup-compatibility/2006">
-        <mc:Choice xmlns:a14="http://schemas.microsoft.com/office/drawing/2010/main" Requires="a14">
+      <mc:AlternateContent xmlns:mc="http://schemas.openxmlformats.org/markup-compatibility/2006" xmlns:a14="http://schemas.microsoft.com/office/drawing/2010/main">
+        <mc:Choice Requires="a14">
           <p:sp>
             <p:nvSpPr>
               <p:cNvPr id="3" name="Content Placeholder 2">
@@ -47345,16 +47322,7 @@
                             </a:solidFill>
                             <a:latin typeface="Cambria Math" panose="02040503050406030204" pitchFamily="18" charset="0"/>
                           </a:rPr>
-                          <m:t>,</m:t>
-                        </m:r>
-                        <m:r>
-                          <a:rPr lang="en-US" sz="3200" b="0" i="1" dirty="0" smtClean="0">
-                            <a:solidFill>
-                              <a:srgbClr val="C00000"/>
-                            </a:solidFill>
-                            <a:latin typeface="Cambria Math" panose="02040503050406030204" pitchFamily="18" charset="0"/>
-                          </a:rPr>
-                          <m:t>…,</m:t>
+                          <m:t>,…,</m:t>
                         </m:r>
                         <m:sSub>
                           <m:sSubPr>
@@ -47463,16 +47431,7 @@
                             </a:solidFill>
                             <a:latin typeface="Cambria Math" panose="02040503050406030204" pitchFamily="18" charset="0"/>
                           </a:rPr>
-                          <m:t>,</m:t>
-                        </m:r>
-                        <m:r>
-                          <a:rPr lang="en-US" sz="3200" b="0" i="1" dirty="0" smtClean="0">
-                            <a:solidFill>
-                              <a:srgbClr val="C00000"/>
-                            </a:solidFill>
-                            <a:latin typeface="Cambria Math" panose="02040503050406030204" pitchFamily="18" charset="0"/>
-                          </a:rPr>
-                          <m:t>…, </m:t>
+                          <m:t>,…, </m:t>
                         </m:r>
                         <m:sSub>
                           <m:sSubPr>
@@ -47841,7 +47800,7 @@
             </p:txBody>
           </p:sp>
         </mc:Choice>
-        <mc:Fallback>
+        <mc:Fallback xmlns="">
           <p:sp>
             <p:nvSpPr>
               <p:cNvPr id="3" name="Content Placeholder 2">

--- a/CSCE658-S24/L2.pptx
+++ b/CSCE658-S24/L2.pptx
@@ -1469,7 +1469,7 @@
           <a:p>
             <a:fld id="{917C6CC6-EF05-461A-87F8-1ECC34672D18}" type="datetimeFigureOut">
               <a:rPr lang="en-US" smtClean="0"/>
-              <a:t>1/25/2024</a:t>
+              <a:t>1/30/2024</a:t>
             </a:fld>
             <a:endParaRPr lang="en-US"/>
           </a:p>
@@ -3983,7 +3983,7 @@
           <a:p>
             <a:fld id="{F15B1014-7FD5-4D05-A49A-39BAD2BBBF24}" type="datetimeFigureOut">
               <a:rPr lang="en-US" smtClean="0"/>
-              <a:t>1/25/2024</a:t>
+              <a:t>1/30/2024</a:t>
             </a:fld>
             <a:endParaRPr lang="en-US"/>
           </a:p>
@@ -4181,7 +4181,7 @@
           <a:p>
             <a:fld id="{F15B1014-7FD5-4D05-A49A-39BAD2BBBF24}" type="datetimeFigureOut">
               <a:rPr lang="en-US" smtClean="0"/>
-              <a:t>1/25/2024</a:t>
+              <a:t>1/30/2024</a:t>
             </a:fld>
             <a:endParaRPr lang="en-US"/>
           </a:p>
@@ -4389,7 +4389,7 @@
           <a:p>
             <a:fld id="{F15B1014-7FD5-4D05-A49A-39BAD2BBBF24}" type="datetimeFigureOut">
               <a:rPr lang="en-US" smtClean="0"/>
-              <a:t>1/25/2024</a:t>
+              <a:t>1/30/2024</a:t>
             </a:fld>
             <a:endParaRPr lang="en-US"/>
           </a:p>
@@ -4587,7 +4587,7 @@
           <a:p>
             <a:fld id="{F15B1014-7FD5-4D05-A49A-39BAD2BBBF24}" type="datetimeFigureOut">
               <a:rPr lang="en-US" smtClean="0"/>
-              <a:t>1/25/2024</a:t>
+              <a:t>1/30/2024</a:t>
             </a:fld>
             <a:endParaRPr lang="en-US"/>
           </a:p>
@@ -4862,7 +4862,7 @@
           <a:p>
             <a:fld id="{F15B1014-7FD5-4D05-A49A-39BAD2BBBF24}" type="datetimeFigureOut">
               <a:rPr lang="en-US" smtClean="0"/>
-              <a:t>1/25/2024</a:t>
+              <a:t>1/30/2024</a:t>
             </a:fld>
             <a:endParaRPr lang="en-US"/>
           </a:p>
@@ -5127,7 +5127,7 @@
           <a:p>
             <a:fld id="{F15B1014-7FD5-4D05-A49A-39BAD2BBBF24}" type="datetimeFigureOut">
               <a:rPr lang="en-US" smtClean="0"/>
-              <a:t>1/25/2024</a:t>
+              <a:t>1/30/2024</a:t>
             </a:fld>
             <a:endParaRPr lang="en-US"/>
           </a:p>
@@ -5539,7 +5539,7 @@
           <a:p>
             <a:fld id="{F15B1014-7FD5-4D05-A49A-39BAD2BBBF24}" type="datetimeFigureOut">
               <a:rPr lang="en-US" smtClean="0"/>
-              <a:t>1/25/2024</a:t>
+              <a:t>1/30/2024</a:t>
             </a:fld>
             <a:endParaRPr lang="en-US"/>
           </a:p>
@@ -5680,7 +5680,7 @@
           <a:p>
             <a:fld id="{F15B1014-7FD5-4D05-A49A-39BAD2BBBF24}" type="datetimeFigureOut">
               <a:rPr lang="en-US" smtClean="0"/>
-              <a:t>1/25/2024</a:t>
+              <a:t>1/30/2024</a:t>
             </a:fld>
             <a:endParaRPr lang="en-US"/>
           </a:p>
@@ -5793,7 +5793,7 @@
           <a:p>
             <a:fld id="{F15B1014-7FD5-4D05-A49A-39BAD2BBBF24}" type="datetimeFigureOut">
               <a:rPr lang="en-US" smtClean="0"/>
-              <a:t>1/25/2024</a:t>
+              <a:t>1/30/2024</a:t>
             </a:fld>
             <a:endParaRPr lang="en-US"/>
           </a:p>
@@ -6104,7 +6104,7 @@
           <a:p>
             <a:fld id="{F15B1014-7FD5-4D05-A49A-39BAD2BBBF24}" type="datetimeFigureOut">
               <a:rPr lang="en-US" smtClean="0"/>
-              <a:t>1/25/2024</a:t>
+              <a:t>1/30/2024</a:t>
             </a:fld>
             <a:endParaRPr lang="en-US"/>
           </a:p>
@@ -6392,7 +6392,7 @@
           <a:p>
             <a:fld id="{F15B1014-7FD5-4D05-A49A-39BAD2BBBF24}" type="datetimeFigureOut">
               <a:rPr lang="en-US" smtClean="0"/>
-              <a:t>1/25/2024</a:t>
+              <a:t>1/30/2024</a:t>
             </a:fld>
             <a:endParaRPr lang="en-US"/>
           </a:p>
@@ -6633,7 +6633,7 @@
           <a:p>
             <a:fld id="{F15B1014-7FD5-4D05-A49A-39BAD2BBBF24}" type="datetimeFigureOut">
               <a:rPr lang="en-US" smtClean="0"/>
-              <a:t>1/25/2024</a:t>
+              <a:t>1/30/2024</a:t>
             </a:fld>
             <a:endParaRPr lang="en-US"/>
           </a:p>
@@ -47198,8 +47198,8 @@
           </a:p>
         </p:txBody>
       </p:sp>
-      <mc:AlternateContent xmlns:mc="http://schemas.openxmlformats.org/markup-compatibility/2006" xmlns:a14="http://schemas.microsoft.com/office/drawing/2010/main">
-        <mc:Choice Requires="a14">
+      <mc:AlternateContent xmlns:mc="http://schemas.openxmlformats.org/markup-compatibility/2006">
+        <mc:Choice xmlns:a14="http://schemas.microsoft.com/office/drawing/2010/main" Requires="a14">
           <p:sp>
             <p:nvSpPr>
               <p:cNvPr id="3" name="Content Placeholder 2">
@@ -47754,7 +47754,7 @@
                         </a:solidFill>
                         <a:latin typeface="Cambria Math" panose="02040503050406030204" pitchFamily="18" charset="0"/>
                       </a:rPr>
-                      <m:t>≠</m:t>
+                      <m:t>≈</m:t>
                     </m:r>
                     <m:sSup>
                       <m:sSupPr>
@@ -47800,7 +47800,7 @@
             </p:txBody>
           </p:sp>
         </mc:Choice>
-        <mc:Fallback xmlns="">
+        <mc:Fallback>
           <p:sp>
             <p:nvSpPr>
               <p:cNvPr id="3" name="Content Placeholder 2">
@@ -47825,7 +47825,7 @@
               <a:blipFill>
                 <a:blip r:embed="rId2"/>
                 <a:stretch>
-                  <a:fillRect l="-1290" t="-2801" r="-1402" b="-3221"/>
+                  <a:fillRect l="-1290" t="-2801" r="-2243" b="-3221"/>
                 </a:stretch>
               </a:blipFill>
             </p:spPr>
